--- a/Assignments/FinalPresentationABM.pptx
+++ b/Assignments/FinalPresentationABM.pptx
@@ -123,15 +123,6 @@
     </p:ext>
   </p:extLst>
 </p:presentation>
-</file>
-
-<file path=ppt/revisionInfo.xml><?xml version="1.0" encoding="utf-8"?>
-<p1510:revInfo xmlns:a="http://schemas.openxmlformats.org/drawingml/2006/main" xmlns:r="http://schemas.openxmlformats.org/officeDocument/2006/relationships" xmlns:p1510="http://schemas.microsoft.com/office/powerpoint/2015/10/main">
-  <p1510:revLst>
-    <p1510:client id="{7516F15E-0D5D-4876-B4AE-717E30D9FDDF}" v="1031" dt="2023-01-08T20:06:50.965"/>
-    <p1510:client id="{956BFF0F-6457-49AC-8E41-949CDE5052E3}" v="357" dt="2023-01-08T19:44:13.972"/>
-  </p1510:revLst>
-</p1510:revInfo>
 </file>
 
 <file path=ppt/diagrams/colors1.xml><?xml version="1.0" encoding="utf-8"?>
@@ -23103,7 +23094,15 @@
             </a:pPr>
             <a:r>
               <a:rPr lang="en-US" dirty="0"/>
-              <a:t>FrondEnd – Android Studio implemented using XML and JAVA – on Android.</a:t>
+              <a:t>FrondEnd – Android Studio implemented using XML, </a:t>
+            </a:r>
+            <a:r>
+              <a:rPr lang="en-US"/>
+              <a:t>Material Design </a:t>
+            </a:r>
+            <a:r>
+              <a:rPr lang="en-US" dirty="0"/>
+              <a:t>and JAVA – on Android.</a:t>
             </a:r>
           </a:p>
           <a:p>
